--- a/Poster/Poster Template Ariel Projects 2020.pptx
+++ b/Poster/Poster Template Ariel Projects 2020.pptx
@@ -112,6 +112,32 @@
 </p:presentation>
 </file>
 
+<file path=ppt/commentAuthors.xml><?xml version="1.0" encoding="utf-8"?>
+<p:cmAuthorLst xmlns:a="http://schemas.openxmlformats.org/drawingml/2006/main" xmlns:r="http://schemas.openxmlformats.org/officeDocument/2006/relationships" xmlns:p="http://schemas.openxmlformats.org/presentationml/2006/main">
+  <p:cmAuthor id="1" name="Orel Rahum" initials="OR" lastIdx="1" clrIdx="0">
+    <p:extLst>
+      <p:ext uri="{19B8F6BF-5375-455C-9EA6-DF929625EA0E}">
+        <p15:presenceInfo xmlns:p15="http://schemas.microsoft.com/office/powerpoint/2012/main" userId="8386fe78ba088a10" providerId="Windows Live"/>
+      </p:ext>
+    </p:extLst>
+  </p:cmAuthor>
+</p:cmAuthorLst>
+</file>
+
+<file path=ppt/comments/comment1.xml><?xml version="1.0" encoding="utf-8"?>
+<p:cmLst xmlns:a="http://schemas.openxmlformats.org/drawingml/2006/main" xmlns:r="http://schemas.openxmlformats.org/officeDocument/2006/relationships" xmlns:p="http://schemas.openxmlformats.org/presentationml/2006/main">
+  <p:cm authorId="1" dt="2020-06-11T16:27:30.486" idx="1">
+    <p:pos x="4050" y="2185"/>
+    <p:text/>
+    <p:extLst>
+      <p:ext uri="{C676402C-5697-4E1C-873F-D02D1690AC5C}">
+        <p15:threadingInfo xmlns:p15="http://schemas.microsoft.com/office/powerpoint/2012/main" timeZoneBias="-180"/>
+      </p:ext>
+    </p:extLst>
+  </p:cm>
+</p:cmLst>
+</file>
+
 <file path=ppt/slideLayouts/slideLayout1.xml><?xml version="1.0" encoding="utf-8"?>
 <p:sldLayout xmlns:a="http://schemas.openxmlformats.org/drawingml/2006/main" xmlns:r="http://schemas.openxmlformats.org/officeDocument/2006/relationships" xmlns:p="http://schemas.openxmlformats.org/presentationml/2006/main" type="title" preserve="1">
   <p:cSld name="Title Slide">
@@ -243,7 +269,7 @@
           <a:p>
             <a:fld id="{73EE89F4-C31D-45E3-BFAA-D8E8790DFB86}" type="datetimeFigureOut">
               <a:rPr lang="en-US" smtClean="0"/>
-              <a:t>5/24/2020</a:t>
+              <a:t>6/11/2020</a:t>
             </a:fld>
             <a:endParaRPr lang="en-US"/>
           </a:p>
@@ -413,7 +439,7 @@
           <a:p>
             <a:fld id="{73EE89F4-C31D-45E3-BFAA-D8E8790DFB86}" type="datetimeFigureOut">
               <a:rPr lang="en-US" smtClean="0"/>
-              <a:t>5/24/2020</a:t>
+              <a:t>6/11/2020</a:t>
             </a:fld>
             <a:endParaRPr lang="en-US"/>
           </a:p>
@@ -593,7 +619,7 @@
           <a:p>
             <a:fld id="{73EE89F4-C31D-45E3-BFAA-D8E8790DFB86}" type="datetimeFigureOut">
               <a:rPr lang="en-US" smtClean="0"/>
-              <a:t>5/24/2020</a:t>
+              <a:t>6/11/2020</a:t>
             </a:fld>
             <a:endParaRPr lang="en-US"/>
           </a:p>
@@ -763,7 +789,7 @@
           <a:p>
             <a:fld id="{73EE89F4-C31D-45E3-BFAA-D8E8790DFB86}" type="datetimeFigureOut">
               <a:rPr lang="en-US" smtClean="0"/>
-              <a:t>5/24/2020</a:t>
+              <a:t>6/11/2020</a:t>
             </a:fld>
             <a:endParaRPr lang="en-US"/>
           </a:p>
@@ -1007,7 +1033,7 @@
           <a:p>
             <a:fld id="{73EE89F4-C31D-45E3-BFAA-D8E8790DFB86}" type="datetimeFigureOut">
               <a:rPr lang="en-US" smtClean="0"/>
-              <a:t>5/24/2020</a:t>
+              <a:t>6/11/2020</a:t>
             </a:fld>
             <a:endParaRPr lang="en-US"/>
           </a:p>
@@ -1239,7 +1265,7 @@
           <a:p>
             <a:fld id="{73EE89F4-C31D-45E3-BFAA-D8E8790DFB86}" type="datetimeFigureOut">
               <a:rPr lang="en-US" smtClean="0"/>
-              <a:t>5/24/2020</a:t>
+              <a:t>6/11/2020</a:t>
             </a:fld>
             <a:endParaRPr lang="en-US"/>
           </a:p>
@@ -1606,7 +1632,7 @@
           <a:p>
             <a:fld id="{73EE89F4-C31D-45E3-BFAA-D8E8790DFB86}" type="datetimeFigureOut">
               <a:rPr lang="en-US" smtClean="0"/>
-              <a:t>5/24/2020</a:t>
+              <a:t>6/11/2020</a:t>
             </a:fld>
             <a:endParaRPr lang="en-US"/>
           </a:p>
@@ -1724,7 +1750,7 @@
           <a:p>
             <a:fld id="{73EE89F4-C31D-45E3-BFAA-D8E8790DFB86}" type="datetimeFigureOut">
               <a:rPr lang="en-US" smtClean="0"/>
-              <a:t>5/24/2020</a:t>
+              <a:t>6/11/2020</a:t>
             </a:fld>
             <a:endParaRPr lang="en-US"/>
           </a:p>
@@ -1819,7 +1845,7 @@
           <a:p>
             <a:fld id="{73EE89F4-C31D-45E3-BFAA-D8E8790DFB86}" type="datetimeFigureOut">
               <a:rPr lang="en-US" smtClean="0"/>
-              <a:t>5/24/2020</a:t>
+              <a:t>6/11/2020</a:t>
             </a:fld>
             <a:endParaRPr lang="en-US"/>
           </a:p>
@@ -2096,7 +2122,7 @@
           <a:p>
             <a:fld id="{73EE89F4-C31D-45E3-BFAA-D8E8790DFB86}" type="datetimeFigureOut">
               <a:rPr lang="en-US" smtClean="0"/>
-              <a:t>5/24/2020</a:t>
+              <a:t>6/11/2020</a:t>
             </a:fld>
             <a:endParaRPr lang="en-US"/>
           </a:p>
@@ -2353,7 +2379,7 @@
           <a:p>
             <a:fld id="{73EE89F4-C31D-45E3-BFAA-D8E8790DFB86}" type="datetimeFigureOut">
               <a:rPr lang="en-US" smtClean="0"/>
-              <a:t>5/24/2020</a:t>
+              <a:t>6/11/2020</a:t>
             </a:fld>
             <a:endParaRPr lang="en-US"/>
           </a:p>
@@ -2566,7 +2592,7 @@
           <a:p>
             <a:fld id="{73EE89F4-C31D-45E3-BFAA-D8E8790DFB86}" type="datetimeFigureOut">
               <a:rPr lang="en-US" smtClean="0"/>
-              <a:t>5/24/2020</a:t>
+              <a:t>6/11/2020</a:t>
             </a:fld>
             <a:endParaRPr lang="en-US"/>
           </a:p>
@@ -3017,7 +3043,7 @@
                 <a:latin typeface="Calibri"/>
                 <a:cs typeface="Arial"/>
               </a:rPr>
-              <a:t> [Poster Describe Research or Software Development Project]</a:t>
+              <a:t> </a:t>
             </a:r>
             <a:br>
               <a:rPr lang="en-US" sz="1307" b="1" dirty="0">
@@ -3038,14 +3064,8 @@
               </a:rPr>
             </a:br>
             <a:r>
-              <a:rPr lang="en-US" sz="1307" b="1" dirty="0">
-                <a:solidFill>
-                  <a:schemeClr val="tx1"/>
-                </a:solidFill>
-                <a:latin typeface="Calibri"/>
-                <a:cs typeface="Arial"/>
-              </a:rPr>
-              <a:t>Project Name</a:t>
+              <a:rPr lang="en-GB" dirty="0"/>
+              <a:t>Ransomware</a:t>
             </a:r>
             <a:br>
               <a:rPr lang="en-US" sz="1307" b="1" dirty="0">
@@ -3064,7 +3084,7 @@
                 <a:latin typeface="Calibri"/>
                 <a:cs typeface="Arial"/>
               </a:rPr>
-              <a:t>Presenters</a:t>
+              <a:t>Orel Rahum</a:t>
             </a:r>
             <a:br>
               <a:rPr lang="en-US" sz="1307" b="1" dirty="0">
@@ -3083,7 +3103,7 @@
                 <a:latin typeface="Calibri"/>
                 <a:cs typeface="Arial"/>
               </a:rPr>
-              <a:t>Instructors</a:t>
+              <a:t>Harel Berger and Dr. Amit Dvir</a:t>
             </a:r>
             <a:br>
               <a:rPr lang="en-US" sz="1307" b="1" dirty="0">
@@ -3171,21 +3191,17 @@
           <a:bodyPr rtlCol="1" anchor="t"/>
           <a:lstStyle/>
           <a:p>
-            <a:pPr>
-              <a:defRPr/>
-            </a:pPr>
-            <a:r>
-              <a:rPr lang="en-US" sz="1200" dirty="0">
-                <a:solidFill>
-                  <a:prstClr val="black"/>
-                </a:solidFill>
-                <a:latin typeface="Arial" pitchFamily="34" charset="0"/>
-                <a:ea typeface="Tahoma" pitchFamily="34" charset="0"/>
-                <a:cs typeface="Arial" pitchFamily="34" charset="0"/>
-              </a:rPr>
-              <a:t>2. Introduction</a:t>
-            </a:r>
-            <a:endParaRPr lang="he-IL" sz="1200" dirty="0">
+            <a:r>
+              <a:rPr lang="en-GB" sz="1600" dirty="0"/>
+              <a:t>ransomware is a type of malware that prevents users from accessing their system</a:t>
+            </a:r>
+          </a:p>
+          <a:p>
+            <a:r>
+              <a:rPr lang="en-GB" sz="1600" dirty="0"/>
+              <a:t>or personal les and demands ransom payment in order to regain access.</a:t>
+            </a:r>
+            <a:endParaRPr lang="he-IL" sz="1100" dirty="0">
               <a:solidFill>
                 <a:prstClr val="black"/>
               </a:solidFill>
@@ -3394,21 +3410,10 @@
                 <a:ea typeface="Tahoma" pitchFamily="34" charset="0"/>
                 <a:cs typeface="Arial" pitchFamily="34" charset="0"/>
               </a:rPr>
-              <a:t>5. Solution Description (Algorithms, Modulation, Patterns, Infrastructure, UI</a:t>
-            </a:r>
-            <a:r>
-              <a:rPr lang="en-US" sz="1200">
-                <a:solidFill>
-                  <a:prstClr val="black"/>
-                </a:solidFill>
-                <a:latin typeface="Arial" pitchFamily="34" charset="0"/>
-                <a:ea typeface="Tahoma" pitchFamily="34" charset="0"/>
-                <a:cs typeface="Arial" pitchFamily="34" charset="0"/>
-              </a:rPr>
-              <a:t>,   </a:t>
+              <a:t>5. Solution Description (Algorithms, Modulation, Patterns, Infrastructure, UI,   </a:t>
             </a:r>
             <a:br>
-              <a:rPr lang="en-US" sz="1200">
+              <a:rPr lang="en-US" sz="1200" dirty="0">
                 <a:solidFill>
                   <a:prstClr val="black"/>
                 </a:solidFill>
@@ -3418,17 +3423,6 @@
               </a:rPr>
             </a:br>
             <a:r>
-              <a:rPr lang="en-US" sz="1200">
-                <a:solidFill>
-                  <a:prstClr val="black"/>
-                </a:solidFill>
-                <a:latin typeface="Arial" pitchFamily="34" charset="0"/>
-                <a:ea typeface="Tahoma" pitchFamily="34" charset="0"/>
-                <a:cs typeface="Arial" pitchFamily="34" charset="0"/>
-              </a:rPr>
-              <a:t>     Functionality</a:t>
-            </a:r>
-            <a:r>
               <a:rPr lang="en-US" sz="1200" dirty="0">
                 <a:solidFill>
                   <a:prstClr val="black"/>
@@ -3437,7 +3431,7 @@
                 <a:ea typeface="Tahoma" pitchFamily="34" charset="0"/>
                 <a:cs typeface="Arial" pitchFamily="34" charset="0"/>
               </a:rPr>
-              <a:t>)</a:t>
+              <a:t>     Functionality)</a:t>
             </a:r>
             <a:endParaRPr lang="he-IL" sz="1200" dirty="0">
               <a:solidFill>
@@ -3488,66 +3482,6 @@
               <a:latin typeface="Arial" pitchFamily="34" charset="0"/>
               <a:cs typeface="Arial" pitchFamily="34" charset="0"/>
             </a:endParaRPr>
-          </a:p>
-        </p:txBody>
-      </p:sp>
-      <p:sp>
-        <p:nvSpPr>
-          <p:cNvPr id="5" name="Rectangle 4">
-            <a:extLst>
-              <a:ext uri="{FF2B5EF4-FFF2-40B4-BE49-F238E27FC236}">
-                <a16:creationId xmlns:a16="http://schemas.microsoft.com/office/drawing/2014/main" id="{01EE06C4-1B62-4427-98E9-3F44949EBC0B}"/>
-              </a:ext>
-            </a:extLst>
-          </p:cNvPr>
-          <p:cNvSpPr/>
-          <p:nvPr/>
-        </p:nvSpPr>
-        <p:spPr>
-          <a:xfrm>
-            <a:off x="196848" y="210867"/>
-            <a:ext cx="930543" cy="862014"/>
-          </a:xfrm>
-          <a:prstGeom prst="rect">
-            <a:avLst/>
-          </a:prstGeom>
-          <a:solidFill>
-            <a:schemeClr val="tx2">
-              <a:lumMod val="20000"/>
-              <a:lumOff val="80000"/>
-            </a:schemeClr>
-          </a:solidFill>
-        </p:spPr>
-        <p:style>
-          <a:lnRef idx="2">
-            <a:schemeClr val="accent1">
-              <a:shade val="50000"/>
-            </a:schemeClr>
-          </a:lnRef>
-          <a:fillRef idx="1">
-            <a:schemeClr val="accent1"/>
-          </a:fillRef>
-          <a:effectRef idx="0">
-            <a:schemeClr val="accent1"/>
-          </a:effectRef>
-          <a:fontRef idx="minor">
-            <a:schemeClr val="lt1"/>
-          </a:fontRef>
-        </p:style>
-        <p:txBody>
-          <a:bodyPr rot="0" spcFirstLastPara="0" vertOverflow="overflow" horzOverflow="overflow" vert="horz" wrap="square" lIns="24882" tIns="12440" rIns="24882" bIns="12440" numCol="1" spcCol="0" rtlCol="0" fromWordArt="0" anchor="ctr" anchorCtr="0" forceAA="0" compatLnSpc="1">
-            <a:prstTxWarp prst="textNoShape">
-              <a:avLst/>
-            </a:prstTxWarp>
-            <a:noAutofit/>
-          </a:bodyPr>
-          <a:lstStyle/>
-          <a:p>
-            <a:pPr algn="ctr"/>
-            <a:r>
-              <a:rPr lang="en-US" sz="2800" dirty="0"/>
-              <a:t>Logo</a:t>
-            </a:r>
           </a:p>
         </p:txBody>
       </p:sp>
@@ -3796,21 +3730,13 @@
           <a:lstStyle/>
           <a:p>
             <a:pPr>
-              <a:buFontTx/>
-              <a:buAutoNum type="arabicPeriod"/>
               <a:defRPr/>
             </a:pPr>
             <a:r>
-              <a:rPr lang="en-US" sz="1200" dirty="0"/>
-              <a:t>Contribution/project goal</a:t>
-            </a:r>
-            <a:endParaRPr lang="he-IL" sz="1200" dirty="0">
-              <a:solidFill>
-                <a:prstClr val="black"/>
-              </a:solidFill>
-              <a:latin typeface="Arial" pitchFamily="34" charset="0"/>
-              <a:ea typeface="Tahoma" pitchFamily="34" charset="0"/>
-            </a:endParaRPr>
+              <a:rPr lang="en-GB" sz="1600" dirty="0"/>
+              <a:t>my goal is to detection ransomware attack</a:t>
+            </a:r>
+            <a:endParaRPr lang="he-IL" sz="1600" dirty="0"/>
           </a:p>
         </p:txBody>
       </p:sp>
@@ -3923,6 +3849,42 @@
           <a:xfrm>
             <a:off x="5703396" y="9279979"/>
             <a:ext cx="456453" cy="467864"/>
+          </a:xfrm>
+          <a:prstGeom prst="rect">
+            <a:avLst/>
+          </a:prstGeom>
+        </p:spPr>
+      </p:pic>
+      <p:pic>
+        <p:nvPicPr>
+          <p:cNvPr id="10" name="תמונה 9">
+            <a:extLst>
+              <a:ext uri="{FF2B5EF4-FFF2-40B4-BE49-F238E27FC236}">
+                <a16:creationId xmlns:a16="http://schemas.microsoft.com/office/drawing/2014/main" id="{D85380CF-9097-431C-A6E2-E16D76C9F9EB}"/>
+              </a:ext>
+            </a:extLst>
+          </p:cNvPr>
+          <p:cNvPicPr>
+            <a:picLocks noChangeAspect="1"/>
+          </p:cNvPicPr>
+          <p:nvPr/>
+        </p:nvPicPr>
+        <p:blipFill>
+          <a:blip r:embed="rId3">
+            <a:extLst>
+              <a:ext uri="{28A0092B-C50C-407E-A947-70E740481C1C}">
+                <a14:useLocalDpi xmlns:a14="http://schemas.microsoft.com/office/drawing/2010/main" val="0"/>
+              </a:ext>
+            </a:extLst>
+          </a:blip>
+          <a:stretch>
+            <a:fillRect/>
+          </a:stretch>
+        </p:blipFill>
+        <p:spPr>
+          <a:xfrm>
+            <a:off x="316663" y="188070"/>
+            <a:ext cx="1322022" cy="939737"/>
           </a:xfrm>
           <a:prstGeom prst="rect">
             <a:avLst/>

--- a/Poster/Poster Template Ariel Projects 2020.pptx
+++ b/Poster/Poster Template Ariel Projects 2020.pptx
@@ -112,6 +112,18 @@
 </p:presentation>
 </file>
 
+<file path=ppt/commentAuthors.xml><?xml version="1.0" encoding="utf-8"?>
+<p:cmAuthorLst xmlns:a="http://schemas.openxmlformats.org/drawingml/2006/main" xmlns:r="http://schemas.openxmlformats.org/officeDocument/2006/relationships" xmlns:p="http://schemas.openxmlformats.org/presentationml/2006/main">
+  <p:cmAuthor id="1" name="Orel Rahum" initials="OR" lastIdx="1" clrIdx="0">
+    <p:extLst>
+      <p:ext uri="{19B8F6BF-5375-455C-9EA6-DF929625EA0E}">
+        <p15:presenceInfo xmlns:p15="http://schemas.microsoft.com/office/powerpoint/2012/main" userId="8386fe78ba088a10" providerId="Windows Live"/>
+      </p:ext>
+    </p:extLst>
+  </p:cmAuthor>
+</p:cmAuthorLst>
+</file>
+
 <file path=ppt/slideLayouts/slideLayout1.xml><?xml version="1.0" encoding="utf-8"?>
 <p:sldLayout xmlns:a="http://schemas.openxmlformats.org/drawingml/2006/main" xmlns:r="http://schemas.openxmlformats.org/officeDocument/2006/relationships" xmlns:p="http://schemas.openxmlformats.org/presentationml/2006/main" type="title" preserve="1">
   <p:cSld name="Title Slide">
@@ -243,7 +255,7 @@
           <a:p>
             <a:fld id="{73EE89F4-C31D-45E3-BFAA-D8E8790DFB86}" type="datetimeFigureOut">
               <a:rPr lang="en-US" smtClean="0"/>
-              <a:t>5/24/2020</a:t>
+              <a:t>6/11/2020</a:t>
             </a:fld>
             <a:endParaRPr lang="en-US"/>
           </a:p>
@@ -413,7 +425,7 @@
           <a:p>
             <a:fld id="{73EE89F4-C31D-45E3-BFAA-D8E8790DFB86}" type="datetimeFigureOut">
               <a:rPr lang="en-US" smtClean="0"/>
-              <a:t>5/24/2020</a:t>
+              <a:t>6/11/2020</a:t>
             </a:fld>
             <a:endParaRPr lang="en-US"/>
           </a:p>
@@ -593,7 +605,7 @@
           <a:p>
             <a:fld id="{73EE89F4-C31D-45E3-BFAA-D8E8790DFB86}" type="datetimeFigureOut">
               <a:rPr lang="en-US" smtClean="0"/>
-              <a:t>5/24/2020</a:t>
+              <a:t>6/11/2020</a:t>
             </a:fld>
             <a:endParaRPr lang="en-US"/>
           </a:p>
@@ -763,7 +775,7 @@
           <a:p>
             <a:fld id="{73EE89F4-C31D-45E3-BFAA-D8E8790DFB86}" type="datetimeFigureOut">
               <a:rPr lang="en-US" smtClean="0"/>
-              <a:t>5/24/2020</a:t>
+              <a:t>6/11/2020</a:t>
             </a:fld>
             <a:endParaRPr lang="en-US"/>
           </a:p>
@@ -1007,7 +1019,7 @@
           <a:p>
             <a:fld id="{73EE89F4-C31D-45E3-BFAA-D8E8790DFB86}" type="datetimeFigureOut">
               <a:rPr lang="en-US" smtClean="0"/>
-              <a:t>5/24/2020</a:t>
+              <a:t>6/11/2020</a:t>
             </a:fld>
             <a:endParaRPr lang="en-US"/>
           </a:p>
@@ -1239,7 +1251,7 @@
           <a:p>
             <a:fld id="{73EE89F4-C31D-45E3-BFAA-D8E8790DFB86}" type="datetimeFigureOut">
               <a:rPr lang="en-US" smtClean="0"/>
-              <a:t>5/24/2020</a:t>
+              <a:t>6/11/2020</a:t>
             </a:fld>
             <a:endParaRPr lang="en-US"/>
           </a:p>
@@ -1606,7 +1618,7 @@
           <a:p>
             <a:fld id="{73EE89F4-C31D-45E3-BFAA-D8E8790DFB86}" type="datetimeFigureOut">
               <a:rPr lang="en-US" smtClean="0"/>
-              <a:t>5/24/2020</a:t>
+              <a:t>6/11/2020</a:t>
             </a:fld>
             <a:endParaRPr lang="en-US"/>
           </a:p>
@@ -1724,7 +1736,7 @@
           <a:p>
             <a:fld id="{73EE89F4-C31D-45E3-BFAA-D8E8790DFB86}" type="datetimeFigureOut">
               <a:rPr lang="en-US" smtClean="0"/>
-              <a:t>5/24/2020</a:t>
+              <a:t>6/11/2020</a:t>
             </a:fld>
             <a:endParaRPr lang="en-US"/>
           </a:p>
@@ -1819,7 +1831,7 @@
           <a:p>
             <a:fld id="{73EE89F4-C31D-45E3-BFAA-D8E8790DFB86}" type="datetimeFigureOut">
               <a:rPr lang="en-US" smtClean="0"/>
-              <a:t>5/24/2020</a:t>
+              <a:t>6/11/2020</a:t>
             </a:fld>
             <a:endParaRPr lang="en-US"/>
           </a:p>
@@ -2096,7 +2108,7 @@
           <a:p>
             <a:fld id="{73EE89F4-C31D-45E3-BFAA-D8E8790DFB86}" type="datetimeFigureOut">
               <a:rPr lang="en-US" smtClean="0"/>
-              <a:t>5/24/2020</a:t>
+              <a:t>6/11/2020</a:t>
             </a:fld>
             <a:endParaRPr lang="en-US"/>
           </a:p>
@@ -2353,7 +2365,7 @@
           <a:p>
             <a:fld id="{73EE89F4-C31D-45E3-BFAA-D8E8790DFB86}" type="datetimeFigureOut">
               <a:rPr lang="en-US" smtClean="0"/>
-              <a:t>5/24/2020</a:t>
+              <a:t>6/11/2020</a:t>
             </a:fld>
             <a:endParaRPr lang="en-US"/>
           </a:p>
@@ -2566,7 +2578,7 @@
           <a:p>
             <a:fld id="{73EE89F4-C31D-45E3-BFAA-D8E8790DFB86}" type="datetimeFigureOut">
               <a:rPr lang="en-US" smtClean="0"/>
-              <a:t>5/24/2020</a:t>
+              <a:t>6/11/2020</a:t>
             </a:fld>
             <a:endParaRPr lang="en-US"/>
           </a:p>
@@ -3017,7 +3029,7 @@
                 <a:latin typeface="Calibri"/>
                 <a:cs typeface="Arial"/>
               </a:rPr>
-              <a:t> [Poster Describe Research or Software Development Project]</a:t>
+              <a:t> </a:t>
             </a:r>
             <a:br>
               <a:rPr lang="en-US" sz="1307" b="1" dirty="0">
@@ -3038,14 +3050,8 @@
               </a:rPr>
             </a:br>
             <a:r>
-              <a:rPr lang="en-US" sz="1307" b="1" dirty="0">
-                <a:solidFill>
-                  <a:schemeClr val="tx1"/>
-                </a:solidFill>
-                <a:latin typeface="Calibri"/>
-                <a:cs typeface="Arial"/>
-              </a:rPr>
-              <a:t>Project Name</a:t>
+              <a:rPr lang="en-GB" dirty="0"/>
+              <a:t>Ransomware</a:t>
             </a:r>
             <a:br>
               <a:rPr lang="en-US" sz="1307" b="1" dirty="0">
@@ -3064,7 +3070,7 @@
                 <a:latin typeface="Calibri"/>
                 <a:cs typeface="Arial"/>
               </a:rPr>
-              <a:t>Presenters</a:t>
+              <a:t>Orel Rahum</a:t>
             </a:r>
             <a:br>
               <a:rPr lang="en-US" sz="1307" b="1" dirty="0">
@@ -3083,7 +3089,7 @@
                 <a:latin typeface="Calibri"/>
                 <a:cs typeface="Arial"/>
               </a:rPr>
-              <a:t>Instructors</a:t>
+              <a:t>Harel Berger and Dr. Amit Dvir</a:t>
             </a:r>
             <a:br>
               <a:rPr lang="en-US" sz="1307" b="1" dirty="0">
@@ -3171,21 +3177,17 @@
           <a:bodyPr rtlCol="1" anchor="t"/>
           <a:lstStyle/>
           <a:p>
-            <a:pPr>
-              <a:defRPr/>
-            </a:pPr>
-            <a:r>
-              <a:rPr lang="en-US" sz="1200" dirty="0">
-                <a:solidFill>
-                  <a:prstClr val="black"/>
-                </a:solidFill>
-                <a:latin typeface="Arial" pitchFamily="34" charset="0"/>
-                <a:ea typeface="Tahoma" pitchFamily="34" charset="0"/>
-                <a:cs typeface="Arial" pitchFamily="34" charset="0"/>
-              </a:rPr>
-              <a:t>2. Introduction</a:t>
-            </a:r>
-            <a:endParaRPr lang="he-IL" sz="1200" dirty="0">
+            <a:r>
+              <a:rPr lang="en-GB" sz="1600" dirty="0"/>
+              <a:t>ransomware is a type of malware that prevents users from accessing their system</a:t>
+            </a:r>
+          </a:p>
+          <a:p>
+            <a:r>
+              <a:rPr lang="en-GB" sz="1600" dirty="0"/>
+              <a:t>or personal les and demands ransom payment in order to regain access.</a:t>
+            </a:r>
+            <a:endParaRPr lang="he-IL" sz="1100" dirty="0">
               <a:solidFill>
                 <a:prstClr val="black"/>
               </a:solidFill>
@@ -3394,21 +3396,10 @@
                 <a:ea typeface="Tahoma" pitchFamily="34" charset="0"/>
                 <a:cs typeface="Arial" pitchFamily="34" charset="0"/>
               </a:rPr>
-              <a:t>5. Solution Description (Algorithms, Modulation, Patterns, Infrastructure, UI</a:t>
-            </a:r>
-            <a:r>
-              <a:rPr lang="en-US" sz="1200">
-                <a:solidFill>
-                  <a:prstClr val="black"/>
-                </a:solidFill>
-                <a:latin typeface="Arial" pitchFamily="34" charset="0"/>
-                <a:ea typeface="Tahoma" pitchFamily="34" charset="0"/>
-                <a:cs typeface="Arial" pitchFamily="34" charset="0"/>
-              </a:rPr>
-              <a:t>,   </a:t>
+              <a:t>5. Solution Description (Algorithms, Modulation, Patterns, Infrastructure, UI,   </a:t>
             </a:r>
             <a:br>
-              <a:rPr lang="en-US" sz="1200">
+              <a:rPr lang="en-US" sz="1200" dirty="0">
                 <a:solidFill>
                   <a:prstClr val="black"/>
                 </a:solidFill>
@@ -3418,17 +3409,6 @@
               </a:rPr>
             </a:br>
             <a:r>
-              <a:rPr lang="en-US" sz="1200">
-                <a:solidFill>
-                  <a:prstClr val="black"/>
-                </a:solidFill>
-                <a:latin typeface="Arial" pitchFamily="34" charset="0"/>
-                <a:ea typeface="Tahoma" pitchFamily="34" charset="0"/>
-                <a:cs typeface="Arial" pitchFamily="34" charset="0"/>
-              </a:rPr>
-              <a:t>     Functionality</a:t>
-            </a:r>
-            <a:r>
               <a:rPr lang="en-US" sz="1200" dirty="0">
                 <a:solidFill>
                   <a:prstClr val="black"/>
@@ -3437,7 +3417,7 @@
                 <a:ea typeface="Tahoma" pitchFamily="34" charset="0"/>
                 <a:cs typeface="Arial" pitchFamily="34" charset="0"/>
               </a:rPr>
-              <a:t>)</a:t>
+              <a:t>     Functionality)</a:t>
             </a:r>
             <a:endParaRPr lang="he-IL" sz="1200" dirty="0">
               <a:solidFill>
@@ -3458,7 +3438,7 @@
         </p:nvSpPr>
         <p:spPr>
           <a:xfrm>
-            <a:off x="5556292" y="9124806"/>
+            <a:off x="5940742" y="63607"/>
             <a:ext cx="750659" cy="209609"/>
           </a:xfrm>
           <a:prstGeom prst="rect">
@@ -3488,66 +3468,6 @@
               <a:latin typeface="Arial" pitchFamily="34" charset="0"/>
               <a:cs typeface="Arial" pitchFamily="34" charset="0"/>
             </a:endParaRPr>
-          </a:p>
-        </p:txBody>
-      </p:sp>
-      <p:sp>
-        <p:nvSpPr>
-          <p:cNvPr id="5" name="Rectangle 4">
-            <a:extLst>
-              <a:ext uri="{FF2B5EF4-FFF2-40B4-BE49-F238E27FC236}">
-                <a16:creationId xmlns:a16="http://schemas.microsoft.com/office/drawing/2014/main" id="{01EE06C4-1B62-4427-98E9-3F44949EBC0B}"/>
-              </a:ext>
-            </a:extLst>
-          </p:cNvPr>
-          <p:cNvSpPr/>
-          <p:nvPr/>
-        </p:nvSpPr>
-        <p:spPr>
-          <a:xfrm>
-            <a:off x="196848" y="210867"/>
-            <a:ext cx="930543" cy="862014"/>
-          </a:xfrm>
-          <a:prstGeom prst="rect">
-            <a:avLst/>
-          </a:prstGeom>
-          <a:solidFill>
-            <a:schemeClr val="tx2">
-              <a:lumMod val="20000"/>
-              <a:lumOff val="80000"/>
-            </a:schemeClr>
-          </a:solidFill>
-        </p:spPr>
-        <p:style>
-          <a:lnRef idx="2">
-            <a:schemeClr val="accent1">
-              <a:shade val="50000"/>
-            </a:schemeClr>
-          </a:lnRef>
-          <a:fillRef idx="1">
-            <a:schemeClr val="accent1"/>
-          </a:fillRef>
-          <a:effectRef idx="0">
-            <a:schemeClr val="accent1"/>
-          </a:effectRef>
-          <a:fontRef idx="minor">
-            <a:schemeClr val="lt1"/>
-          </a:fontRef>
-        </p:style>
-        <p:txBody>
-          <a:bodyPr rot="0" spcFirstLastPara="0" vertOverflow="overflow" horzOverflow="overflow" vert="horz" wrap="square" lIns="24882" tIns="12440" rIns="24882" bIns="12440" numCol="1" spcCol="0" rtlCol="0" fromWordArt="0" anchor="ctr" anchorCtr="0" forceAA="0" compatLnSpc="1">
-            <a:prstTxWarp prst="textNoShape">
-              <a:avLst/>
-            </a:prstTxWarp>
-            <a:noAutofit/>
-          </a:bodyPr>
-          <a:lstStyle/>
-          <a:p>
-            <a:pPr algn="ctr"/>
-            <a:r>
-              <a:rPr lang="en-US" sz="2800" dirty="0"/>
-              <a:t>Logo</a:t>
-            </a:r>
           </a:p>
         </p:txBody>
       </p:sp>
@@ -3796,21 +3716,13 @@
           <a:lstStyle/>
           <a:p>
             <a:pPr>
-              <a:buFontTx/>
-              <a:buAutoNum type="arabicPeriod"/>
               <a:defRPr/>
             </a:pPr>
             <a:r>
-              <a:rPr lang="en-US" sz="1200" dirty="0"/>
-              <a:t>Contribution/project goal</a:t>
-            </a:r>
-            <a:endParaRPr lang="he-IL" sz="1200" dirty="0">
-              <a:solidFill>
-                <a:prstClr val="black"/>
-              </a:solidFill>
-              <a:latin typeface="Arial" pitchFamily="34" charset="0"/>
-              <a:ea typeface="Tahoma" pitchFamily="34" charset="0"/>
-            </a:endParaRPr>
+              <a:rPr lang="en-GB" sz="1600" dirty="0"/>
+              <a:t>my goal is to detection ransomware attack</a:t>
+            </a:r>
+            <a:endParaRPr lang="he-IL" sz="1600" dirty="0"/>
           </a:p>
         </p:txBody>
       </p:sp>
@@ -3825,13 +3737,14 @@
           </p:cNvPr>
           <p:cNvCxnSpPr>
             <a:cxnSpLocks/>
+            <a:endCxn id="4" idx="1"/>
           </p:cNvCxnSpPr>
           <p:nvPr/>
         </p:nvCxnSpPr>
         <p:spPr>
-          <a:xfrm>
-            <a:off x="5219312" y="9513911"/>
-            <a:ext cx="437261" cy="0"/>
+          <a:xfrm flipV="1">
+            <a:off x="5325077" y="657938"/>
+            <a:ext cx="615666" cy="364202"/>
           </a:xfrm>
           <a:prstGeom prst="straightConnector1">
             <a:avLst/>
@@ -3869,7 +3782,7 @@
         </p:nvSpPr>
         <p:spPr>
           <a:xfrm>
-            <a:off x="3132516" y="9383106"/>
+            <a:off x="4083691" y="1022139"/>
             <a:ext cx="2063385" cy="261610"/>
           </a:xfrm>
           <a:prstGeom prst="rect">
@@ -3901,10 +3814,10 @@
       </p:sp>
       <p:pic>
         <p:nvPicPr>
-          <p:cNvPr id="11" name="Picture 10">
+          <p:cNvPr id="10" name="תמונה 9">
             <a:extLst>
               <a:ext uri="{FF2B5EF4-FFF2-40B4-BE49-F238E27FC236}">
-                <a16:creationId xmlns:a16="http://schemas.microsoft.com/office/drawing/2014/main" id="{D64C4E1C-6FAC-4FBD-8F18-F52604BE0CA8}"/>
+                <a16:creationId xmlns:a16="http://schemas.microsoft.com/office/drawing/2014/main" id="{D85380CF-9097-431C-A6E2-E16D76C9F9EB}"/>
               </a:ext>
             </a:extLst>
           </p:cNvPr>
@@ -3914,15 +3827,57 @@
           <p:nvPr/>
         </p:nvPicPr>
         <p:blipFill>
-          <a:blip r:embed="rId2"/>
+          <a:blip r:embed="rId2">
+            <a:extLst>
+              <a:ext uri="{28A0092B-C50C-407E-A947-70E740481C1C}">
+                <a14:useLocalDpi xmlns:a14="http://schemas.microsoft.com/office/drawing/2010/main" val="0"/>
+              </a:ext>
+            </a:extLst>
+          </a:blip>
           <a:stretch>
             <a:fillRect/>
           </a:stretch>
         </p:blipFill>
         <p:spPr>
           <a:xfrm>
-            <a:off x="5703396" y="9279979"/>
-            <a:ext cx="456453" cy="467864"/>
+            <a:off x="316663" y="188070"/>
+            <a:ext cx="1322022" cy="939737"/>
+          </a:xfrm>
+          <a:prstGeom prst="rect">
+            <a:avLst/>
+          </a:prstGeom>
+        </p:spPr>
+      </p:pic>
+      <p:pic>
+        <p:nvPicPr>
+          <p:cNvPr id="4" name="תמונה 3" descr="תמונה שמכילה שחור, ציור&#10;&#10;התיאור נוצר באופן אוטומטי">
+            <a:extLst>
+              <a:ext uri="{FF2B5EF4-FFF2-40B4-BE49-F238E27FC236}">
+                <a16:creationId xmlns:a16="http://schemas.microsoft.com/office/drawing/2014/main" id="{8E2DC06C-F70F-4AB7-9A41-E1151CE3D4E0}"/>
+              </a:ext>
+            </a:extLst>
+          </p:cNvPr>
+          <p:cNvPicPr>
+            <a:picLocks noChangeAspect="1"/>
+          </p:cNvPicPr>
+          <p:nvPr/>
+        </p:nvPicPr>
+        <p:blipFill>
+          <a:blip r:embed="rId3">
+            <a:extLst>
+              <a:ext uri="{28A0092B-C50C-407E-A947-70E740481C1C}">
+                <a14:useLocalDpi xmlns:a14="http://schemas.microsoft.com/office/drawing/2010/main" val="0"/>
+              </a:ext>
+            </a:extLst>
+          </a:blip>
+          <a:stretch>
+            <a:fillRect/>
+          </a:stretch>
+        </p:blipFill>
+        <p:spPr>
+          <a:xfrm>
+            <a:off x="5940743" y="282608"/>
+            <a:ext cx="750659" cy="750659"/>
           </a:xfrm>
           <a:prstGeom prst="rect">
             <a:avLst/>
